--- a/docs/final product.pptx
+++ b/docs/final product.pptx
@@ -9,8 +9,8 @@
     <p:sldId id="257" r:id="rId3"/>
     <p:sldId id="264" r:id="rId4"/>
     <p:sldId id="263" r:id="rId5"/>
-    <p:sldId id="258" r:id="rId6"/>
-    <p:sldId id="259" r:id="rId7"/>
+    <p:sldId id="259" r:id="rId6"/>
+    <p:sldId id="258" r:id="rId7"/>
     <p:sldId id="260" r:id="rId8"/>
     <p:sldId id="261" r:id="rId9"/>
     <p:sldId id="262" r:id="rId10"/>
@@ -5995,8 +5995,8 @@
         </p:nvSpPr>
         <p:spPr>
           <a:xfrm>
-            <a:off x="685801" y="2142067"/>
-            <a:ext cx="10131425" cy="4177710"/>
+            <a:off x="685801" y="1678329"/>
+            <a:ext cx="10131425" cy="4560426"/>
           </a:xfrm>
         </p:spPr>
         <p:txBody>
@@ -6123,6 +6123,37 @@
             <a:r>
               <a:rPr lang="nl-NL" dirty="0"/>
               <a:t>:</a:t>
+            </a:r>
+          </a:p>
+          <a:p>
+            <a:pPr lvl="1"/>
+            <a:r>
+              <a:rPr lang="nl-NL" dirty="0"/>
+              <a:t>Unique </a:t>
+            </a:r>
+            <a:r>
+              <a:rPr lang="nl-NL" dirty="0" err="1"/>
+              <a:t>questions</a:t>
+            </a:r>
+            <a:r>
+              <a:rPr lang="nl-NL" dirty="0"/>
+              <a:t> </a:t>
+            </a:r>
+            <a:r>
+              <a:rPr lang="nl-NL" dirty="0" err="1"/>
+              <a:t>for</a:t>
+            </a:r>
+            <a:r>
+              <a:rPr lang="nl-NL" dirty="0"/>
+              <a:t> </a:t>
+            </a:r>
+            <a:r>
+              <a:rPr lang="nl-NL" dirty="0" err="1"/>
+              <a:t>each</a:t>
+            </a:r>
+            <a:r>
+              <a:rPr lang="nl-NL" dirty="0"/>
+              <a:t> quiz</a:t>
             </a:r>
           </a:p>
           <a:p>
@@ -6509,8 +6540,8 @@
         </p:nvSpPr>
         <p:spPr>
           <a:xfrm>
-            <a:off x="269113" y="193680"/>
-            <a:ext cx="5008944" cy="1456267"/>
+            <a:off x="458440" y="123678"/>
+            <a:ext cx="10131425" cy="1456267"/>
           </a:xfrm>
         </p:spPr>
         <p:txBody>
@@ -6519,34 +6550,343 @@
           <a:p>
             <a:r>
               <a:rPr lang="nl-NL" dirty="0"/>
-              <a:t>Data </a:t>
-            </a:r>
-            <a:r>
-              <a:rPr lang="nl-NL" dirty="0" err="1"/>
-              <a:t>architecture</a:t>
-            </a:r>
-            <a:endParaRPr lang="nl-NL" dirty="0"/>
-          </a:p>
-        </p:txBody>
-      </p:sp>
-      <p:sp>
-        <p:nvSpPr>
-          <p:cNvPr id="4" name="Rectangle 3"/>
+              <a:t>System Architecture</a:t>
+            </a:r>
+          </a:p>
+        </p:txBody>
+      </p:sp>
+      <p:grpSp>
+        <p:nvGrpSpPr>
+          <p:cNvPr id="42" name="Group 41"/>
+          <p:cNvGrpSpPr/>
+          <p:nvPr/>
+        </p:nvGrpSpPr>
+        <p:grpSpPr>
+          <a:xfrm>
+            <a:off x="2546426" y="2060295"/>
+            <a:ext cx="5027408" cy="2650603"/>
+            <a:chOff x="2176041" y="2060295"/>
+            <a:chExt cx="5027408" cy="2650603"/>
+          </a:xfrm>
+          <a:solidFill>
+            <a:schemeClr val="tx2">
+              <a:lumMod val="90000"/>
+            </a:schemeClr>
+          </a:solidFill>
+        </p:grpSpPr>
+        <p:sp>
+          <p:nvSpPr>
+            <p:cNvPr id="28" name="Rectangle 27"/>
+            <p:cNvSpPr/>
+            <p:nvPr/>
+          </p:nvSpPr>
+          <p:spPr>
+            <a:xfrm>
+              <a:off x="3855336" y="2060295"/>
+              <a:ext cx="1668818" cy="2650602"/>
+            </a:xfrm>
+            <a:prstGeom prst="rect">
+              <a:avLst/>
+            </a:prstGeom>
+            <a:grpFill/>
+            <a:ln>
+              <a:solidFill>
+                <a:schemeClr val="bg1"/>
+              </a:solidFill>
+            </a:ln>
+          </p:spPr>
+          <p:style>
+            <a:lnRef idx="2">
+              <a:schemeClr val="accent1">
+                <a:shade val="50000"/>
+              </a:schemeClr>
+            </a:lnRef>
+            <a:fillRef idx="1">
+              <a:schemeClr val="accent1"/>
+            </a:fillRef>
+            <a:effectRef idx="0">
+              <a:schemeClr val="accent1"/>
+            </a:effectRef>
+            <a:fontRef idx="minor">
+              <a:schemeClr val="lt1"/>
+            </a:fontRef>
+          </p:style>
+          <p:txBody>
+            <a:bodyPr rtlCol="0" anchor="ctr"/>
+            <a:lstStyle/>
+            <a:p>
+              <a:pPr algn="ctr"/>
+              <a:r>
+                <a:rPr lang="nl-NL" b="1" dirty="0">
+                  <a:solidFill>
+                    <a:schemeClr val="bg1"/>
+                  </a:solidFill>
+                </a:rPr>
+                <a:t>Services</a:t>
+              </a:r>
+            </a:p>
+            <a:p>
+              <a:pPr marL="285750" indent="-285750" algn="ctr">
+                <a:buFont typeface="Arial" panose="020B0604020202020204" pitchFamily="34" charset="0"/>
+                <a:buChar char="•"/>
+              </a:pPr>
+              <a:r>
+                <a:rPr lang="nl-NL" sz="1600" dirty="0">
+                  <a:solidFill>
+                    <a:schemeClr val="bg1"/>
+                  </a:solidFill>
+                </a:rPr>
+                <a:t>Question</a:t>
+              </a:r>
+            </a:p>
+            <a:p>
+              <a:pPr marL="285750" indent="-285750" algn="ctr">
+                <a:buFont typeface="Arial" panose="020B0604020202020204" pitchFamily="34" charset="0"/>
+                <a:buChar char="•"/>
+              </a:pPr>
+              <a:r>
+                <a:rPr lang="nl-NL" sz="1600" dirty="0">
+                  <a:solidFill>
+                    <a:schemeClr val="bg1"/>
+                  </a:solidFill>
+                </a:rPr>
+                <a:t>Quiz</a:t>
+              </a:r>
+            </a:p>
+            <a:p>
+              <a:pPr marL="285750" indent="-285750" algn="ctr">
+                <a:buFont typeface="Arial" panose="020B0604020202020204" pitchFamily="34" charset="0"/>
+                <a:buChar char="•"/>
+              </a:pPr>
+              <a:r>
+                <a:rPr lang="nl-NL" sz="1600" dirty="0">
+                  <a:solidFill>
+                    <a:schemeClr val="bg1"/>
+                  </a:solidFill>
+                </a:rPr>
+                <a:t>Option</a:t>
+              </a:r>
+            </a:p>
+          </p:txBody>
+        </p:sp>
+        <p:sp>
+          <p:nvSpPr>
+            <p:cNvPr id="29" name="Rectangle 28"/>
+            <p:cNvSpPr/>
+            <p:nvPr/>
+          </p:nvSpPr>
+          <p:spPr>
+            <a:xfrm>
+              <a:off x="5480526" y="2060296"/>
+              <a:ext cx="1722923" cy="2650602"/>
+            </a:xfrm>
+            <a:prstGeom prst="rect">
+              <a:avLst/>
+            </a:prstGeom>
+            <a:grpFill/>
+            <a:ln>
+              <a:solidFill>
+                <a:schemeClr val="bg1"/>
+              </a:solidFill>
+            </a:ln>
+          </p:spPr>
+          <p:style>
+            <a:lnRef idx="2">
+              <a:schemeClr val="accent1">
+                <a:shade val="50000"/>
+              </a:schemeClr>
+            </a:lnRef>
+            <a:fillRef idx="1">
+              <a:schemeClr val="accent1"/>
+            </a:fillRef>
+            <a:effectRef idx="0">
+              <a:schemeClr val="accent1"/>
+            </a:effectRef>
+            <a:fontRef idx="minor">
+              <a:schemeClr val="lt1"/>
+            </a:fontRef>
+          </p:style>
+          <p:txBody>
+            <a:bodyPr rtlCol="0" anchor="ctr"/>
+            <a:lstStyle/>
+            <a:p>
+              <a:pPr algn="ctr"/>
+              <a:r>
+                <a:rPr lang="nl-NL" b="1" dirty="0">
+                  <a:solidFill>
+                    <a:schemeClr val="bg1"/>
+                  </a:solidFill>
+                </a:rPr>
+                <a:t>Controllers</a:t>
+              </a:r>
+            </a:p>
+            <a:p>
+              <a:pPr marL="285750" indent="-285750" algn="ctr">
+                <a:buFont typeface="Arial" panose="020B0604020202020204" pitchFamily="34" charset="0"/>
+                <a:buChar char="•"/>
+              </a:pPr>
+              <a:r>
+                <a:rPr lang="nl-NL" sz="1600" dirty="0">
+                  <a:solidFill>
+                    <a:schemeClr val="bg1"/>
+                  </a:solidFill>
+                </a:rPr>
+                <a:t>Question</a:t>
+              </a:r>
+            </a:p>
+            <a:p>
+              <a:pPr marL="285750" indent="-285750" algn="ctr">
+                <a:buFont typeface="Arial" panose="020B0604020202020204" pitchFamily="34" charset="0"/>
+                <a:buChar char="•"/>
+              </a:pPr>
+              <a:r>
+                <a:rPr lang="nl-NL" sz="1600" dirty="0">
+                  <a:solidFill>
+                    <a:schemeClr val="bg1"/>
+                  </a:solidFill>
+                </a:rPr>
+                <a:t>Quiz</a:t>
+              </a:r>
+            </a:p>
+          </p:txBody>
+        </p:sp>
+        <p:sp>
+          <p:nvSpPr>
+            <p:cNvPr id="30" name="Rectangle 29"/>
+            <p:cNvSpPr/>
+            <p:nvPr/>
+          </p:nvSpPr>
+          <p:spPr>
+            <a:xfrm>
+              <a:off x="2176041" y="2060296"/>
+              <a:ext cx="1679295" cy="2650602"/>
+            </a:xfrm>
+            <a:prstGeom prst="rect">
+              <a:avLst/>
+            </a:prstGeom>
+            <a:grpFill/>
+            <a:ln>
+              <a:solidFill>
+                <a:schemeClr val="bg1"/>
+              </a:solidFill>
+            </a:ln>
+          </p:spPr>
+          <p:style>
+            <a:lnRef idx="2">
+              <a:schemeClr val="accent1">
+                <a:shade val="50000"/>
+              </a:schemeClr>
+            </a:lnRef>
+            <a:fillRef idx="1">
+              <a:schemeClr val="accent1"/>
+            </a:fillRef>
+            <a:effectRef idx="0">
+              <a:schemeClr val="accent1"/>
+            </a:effectRef>
+            <a:fontRef idx="minor">
+              <a:schemeClr val="lt1"/>
+            </a:fontRef>
+          </p:style>
+          <p:txBody>
+            <a:bodyPr rtlCol="0" anchor="ctr"/>
+            <a:lstStyle/>
+            <a:p>
+              <a:pPr algn="ctr"/>
+              <a:r>
+                <a:rPr lang="nl-NL" b="1" dirty="0" err="1">
+                  <a:solidFill>
+                    <a:schemeClr val="bg1"/>
+                  </a:solidFill>
+                </a:rPr>
+                <a:t>Repositories</a:t>
+              </a:r>
+              <a:endParaRPr lang="nl-NL" b="1" dirty="0">
+                <a:solidFill>
+                  <a:schemeClr val="bg1"/>
+                </a:solidFill>
+              </a:endParaRPr>
+            </a:p>
+            <a:p>
+              <a:pPr marL="285750" indent="-285750" algn="ctr">
+                <a:buFont typeface="Arial" panose="020B0604020202020204" pitchFamily="34" charset="0"/>
+                <a:buChar char="•"/>
+              </a:pPr>
+              <a:r>
+                <a:rPr lang="nl-NL" sz="1600" dirty="0">
+                  <a:solidFill>
+                    <a:schemeClr val="bg1"/>
+                  </a:solidFill>
+                </a:rPr>
+                <a:t>Movie</a:t>
+              </a:r>
+            </a:p>
+            <a:p>
+              <a:pPr marL="285750" indent="-285750" algn="ctr">
+                <a:buFont typeface="Arial" panose="020B0604020202020204" pitchFamily="34" charset="0"/>
+                <a:buChar char="•"/>
+              </a:pPr>
+              <a:r>
+                <a:rPr lang="nl-NL" sz="1600" dirty="0" err="1">
+                  <a:solidFill>
+                    <a:schemeClr val="bg1"/>
+                  </a:solidFill>
+                </a:rPr>
+                <a:t>QuestionType</a:t>
+              </a:r>
+              <a:endParaRPr lang="nl-NL" sz="1600" dirty="0">
+                <a:solidFill>
+                  <a:schemeClr val="bg1"/>
+                </a:solidFill>
+              </a:endParaRPr>
+            </a:p>
+            <a:p>
+              <a:pPr marL="285750" indent="-285750" algn="ctr">
+                <a:buFont typeface="Arial" panose="020B0604020202020204" pitchFamily="34" charset="0"/>
+                <a:buChar char="•"/>
+              </a:pPr>
+              <a:r>
+                <a:rPr lang="nl-NL" sz="1600" dirty="0">
+                  <a:solidFill>
+                    <a:schemeClr val="bg1"/>
+                  </a:solidFill>
+                </a:rPr>
+                <a:t>Question</a:t>
+              </a:r>
+            </a:p>
+            <a:p>
+              <a:pPr marL="285750" indent="-285750" algn="ctr">
+                <a:buFont typeface="Arial" panose="020B0604020202020204" pitchFamily="34" charset="0"/>
+                <a:buChar char="•"/>
+              </a:pPr>
+              <a:r>
+                <a:rPr lang="nl-NL" sz="1600" dirty="0">
+                  <a:solidFill>
+                    <a:schemeClr val="bg1"/>
+                  </a:solidFill>
+                </a:rPr>
+                <a:t>Quiz</a:t>
+              </a:r>
+            </a:p>
+          </p:txBody>
+        </p:sp>
+      </p:grpSp>
+      <p:sp>
+        <p:nvSpPr>
+          <p:cNvPr id="32" name="Rectangle 31"/>
           <p:cNvSpPr/>
           <p:nvPr/>
         </p:nvSpPr>
         <p:spPr>
           <a:xfrm>
-            <a:off x="931759" y="2874377"/>
-            <a:ext cx="1817225" cy="1527859"/>
+            <a:off x="9434927" y="2060296"/>
+            <a:ext cx="1724628" cy="2691112"/>
           </a:xfrm>
           <a:prstGeom prst="rect">
             <a:avLst/>
           </a:prstGeom>
           <a:solidFill>
-            <a:schemeClr val="accent2">
-              <a:lumMod val="40000"/>
-              <a:lumOff val="60000"/>
+            <a:schemeClr val="tx2">
+              <a:lumMod val="90000"/>
             </a:schemeClr>
           </a:solidFill>
           <a:ln>
@@ -6577,34 +6917,57 @@
           <a:p>
             <a:pPr algn="ctr"/>
             <a:r>
-              <a:rPr lang="nl-NL" dirty="0">
+              <a:rPr lang="nl-NL" b="1" dirty="0" err="1">
                 <a:solidFill>
                   <a:schemeClr val="bg1"/>
                 </a:solidFill>
               </a:rPr>
-              <a:t>Quiz</a:t>
-            </a:r>
-          </a:p>
-        </p:txBody>
-      </p:sp>
-      <p:sp>
-        <p:nvSpPr>
-          <p:cNvPr id="6" name="Rectangle 5"/>
+              <a:t>Frontend</a:t>
+            </a:r>
+            <a:endParaRPr lang="nl-NL" b="1" dirty="0">
+              <a:solidFill>
+                <a:schemeClr val="bg1"/>
+              </a:solidFill>
+            </a:endParaRPr>
+          </a:p>
+          <a:p>
+            <a:pPr marL="285750" indent="-285750" algn="ctr">
+              <a:buFontTx/>
+              <a:buChar char="-"/>
+            </a:pPr>
+            <a:r>
+              <a:rPr lang="nl-NL" sz="1600" dirty="0" err="1">
+                <a:solidFill>
+                  <a:schemeClr val="bg1"/>
+                </a:solidFill>
+              </a:rPr>
+              <a:t>Polymer</a:t>
+            </a:r>
+            <a:endParaRPr lang="nl-NL" sz="1600" dirty="0">
+              <a:solidFill>
+                <a:schemeClr val="bg1"/>
+              </a:solidFill>
+            </a:endParaRPr>
+          </a:p>
+        </p:txBody>
+      </p:sp>
+      <p:sp>
+        <p:nvSpPr>
+          <p:cNvPr id="33" name="Cylinder 32"/>
           <p:cNvSpPr/>
           <p:nvPr/>
         </p:nvSpPr>
         <p:spPr>
           <a:xfrm>
-            <a:off x="8593033" y="4305782"/>
-            <a:ext cx="1817225" cy="1527859"/>
-          </a:xfrm>
-          <a:prstGeom prst="rect">
+            <a:off x="396546" y="2696902"/>
+            <a:ext cx="1118405" cy="1481559"/>
+          </a:xfrm>
+          <a:prstGeom prst="can">
             <a:avLst/>
           </a:prstGeom>
           <a:solidFill>
-            <a:schemeClr val="accent2">
-              <a:lumMod val="40000"/>
-              <a:lumOff val="60000"/>
+            <a:schemeClr val="tx2">
+              <a:lumMod val="90000"/>
             </a:schemeClr>
           </a:solidFill>
           <a:ln>
@@ -6635,34 +6998,33 @@
           <a:p>
             <a:pPr algn="ctr"/>
             <a:r>
-              <a:rPr lang="nl-NL" dirty="0">
+              <a:rPr lang="nl-NL" b="1" dirty="0">
                 <a:solidFill>
                   <a:schemeClr val="bg1"/>
                 </a:solidFill>
               </a:rPr>
-              <a:t>Movie</a:t>
-            </a:r>
-          </a:p>
-        </p:txBody>
-      </p:sp>
-      <p:sp>
-        <p:nvSpPr>
-          <p:cNvPr id="7" name="Rectangle 6"/>
+              <a:t>Datebase</a:t>
+            </a:r>
+          </a:p>
+        </p:txBody>
+      </p:sp>
+      <p:sp>
+        <p:nvSpPr>
+          <p:cNvPr id="34" name="Diamond 33"/>
           <p:cNvSpPr/>
           <p:nvPr/>
         </p:nvSpPr>
         <p:spPr>
           <a:xfrm>
-            <a:off x="8634711" y="1080301"/>
-            <a:ext cx="1817225" cy="1527859"/>
-          </a:xfrm>
-          <a:prstGeom prst="rect">
+            <a:off x="5826604" y="5034987"/>
+            <a:ext cx="1627488" cy="1427375"/>
+          </a:xfrm>
+          <a:prstGeom prst="diamond">
             <a:avLst/>
           </a:prstGeom>
           <a:solidFill>
-            <a:schemeClr val="accent2">
-              <a:lumMod val="40000"/>
-              <a:lumOff val="60000"/>
+            <a:schemeClr val="tx2">
+              <a:lumMod val="90000"/>
             </a:schemeClr>
           </a:solidFill>
           <a:ln>
@@ -6693,34 +7055,33 @@
           <a:p>
             <a:pPr algn="ctr"/>
             <a:r>
-              <a:rPr lang="nl-NL" dirty="0">
+              <a:rPr lang="nl-NL" b="1" dirty="0">
                 <a:solidFill>
                   <a:schemeClr val="bg1"/>
                 </a:solidFill>
               </a:rPr>
-              <a:t>Question Type</a:t>
-            </a:r>
-          </a:p>
-        </p:txBody>
-      </p:sp>
-      <p:sp>
-        <p:nvSpPr>
-          <p:cNvPr id="8" name="Rectangle 7"/>
+              <a:t>Movie API</a:t>
+            </a:r>
+          </a:p>
+        </p:txBody>
+      </p:sp>
+      <p:sp>
+        <p:nvSpPr>
+          <p:cNvPr id="36" name="Arrow: Right 35"/>
           <p:cNvSpPr/>
           <p:nvPr/>
         </p:nvSpPr>
         <p:spPr>
           <a:xfrm>
-            <a:off x="4845400" y="2874376"/>
-            <a:ext cx="1817225" cy="1527859"/>
-          </a:xfrm>
-          <a:prstGeom prst="rect">
+            <a:off x="7940228" y="2604303"/>
+            <a:ext cx="1331089" cy="688692"/>
+          </a:xfrm>
+          <a:prstGeom prst="rightArrow">
             <a:avLst/>
           </a:prstGeom>
           <a:solidFill>
-            <a:schemeClr val="accent2">
-              <a:lumMod val="40000"/>
-              <a:lumOff val="60000"/>
+            <a:schemeClr val="tx2">
+              <a:lumMod val="90000"/>
             </a:schemeClr>
           </a:solidFill>
           <a:ln>
@@ -6756,143 +7117,28 @@
                   <a:schemeClr val="bg1"/>
                 </a:solidFill>
               </a:rPr>
-              <a:t>Question</a:t>
-            </a:r>
-          </a:p>
-        </p:txBody>
-      </p:sp>
-      <p:cxnSp>
-        <p:nvCxnSpPr>
-          <p:cNvPr id="9" name="Straight Connector 8"/>
-          <p:cNvCxnSpPr>
-            <a:stCxn id="4" idx="3"/>
-            <a:endCxn id="8" idx="1"/>
-          </p:cNvCxnSpPr>
+              <a:t>JSON { }</a:t>
+            </a:r>
+          </a:p>
+        </p:txBody>
+      </p:sp>
+      <p:sp>
+        <p:nvSpPr>
+          <p:cNvPr id="38" name="Arrow: Left 37"/>
+          <p:cNvSpPr/>
           <p:nvPr/>
-        </p:nvCxnSpPr>
-        <p:spPr>
-          <a:xfrm flipV="1">
-            <a:off x="2748984" y="3638306"/>
-            <a:ext cx="2096416" cy="1"/>
-          </a:xfrm>
-          <a:prstGeom prst="line">
-            <a:avLst/>
-          </a:prstGeom>
-          <a:ln>
-            <a:solidFill>
-              <a:schemeClr val="bg1"/>
-            </a:solidFill>
-          </a:ln>
-        </p:spPr>
-        <p:style>
-          <a:lnRef idx="1">
-            <a:schemeClr val="accent1"/>
-          </a:lnRef>
-          <a:fillRef idx="0">
-            <a:schemeClr val="accent1"/>
-          </a:fillRef>
-          <a:effectRef idx="0">
-            <a:schemeClr val="accent1"/>
-          </a:effectRef>
-          <a:fontRef idx="minor">
-            <a:schemeClr val="tx1"/>
-          </a:fontRef>
-        </p:style>
-      </p:cxnSp>
-      <p:cxnSp>
-        <p:nvCxnSpPr>
-          <p:cNvPr id="10" name="Straight Connector 9"/>
-          <p:cNvCxnSpPr>
-            <a:stCxn id="8" idx="3"/>
-            <a:endCxn id="7" idx="1"/>
-          </p:cNvCxnSpPr>
-          <p:nvPr/>
-        </p:nvCxnSpPr>
-        <p:spPr>
-          <a:xfrm flipV="1">
-            <a:off x="6662625" y="1844231"/>
-            <a:ext cx="1972086" cy="1794075"/>
-          </a:xfrm>
-          <a:prstGeom prst="line">
-            <a:avLst/>
-          </a:prstGeom>
-          <a:ln>
-            <a:solidFill>
-              <a:schemeClr val="bg1"/>
-            </a:solidFill>
-          </a:ln>
-        </p:spPr>
-        <p:style>
-          <a:lnRef idx="1">
-            <a:schemeClr val="accent1"/>
-          </a:lnRef>
-          <a:fillRef idx="0">
-            <a:schemeClr val="accent1"/>
-          </a:fillRef>
-          <a:effectRef idx="0">
-            <a:schemeClr val="accent1"/>
-          </a:effectRef>
-          <a:fontRef idx="minor">
-            <a:schemeClr val="tx1"/>
-          </a:fontRef>
-        </p:style>
-      </p:cxnSp>
-      <p:cxnSp>
-        <p:nvCxnSpPr>
-          <p:cNvPr id="11" name="Straight Connector 10"/>
-          <p:cNvCxnSpPr>
-            <a:stCxn id="8" idx="3"/>
-            <a:endCxn id="6" idx="1"/>
-          </p:cNvCxnSpPr>
-          <p:nvPr/>
-        </p:nvCxnSpPr>
+        </p:nvSpPr>
         <p:spPr>
           <a:xfrm>
-            <a:off x="6662625" y="3638306"/>
-            <a:ext cx="1930408" cy="1431406"/>
-          </a:xfrm>
-          <a:prstGeom prst="line">
-            <a:avLst/>
-          </a:prstGeom>
-          <a:ln>
-            <a:solidFill>
-              <a:schemeClr val="bg1"/>
-            </a:solidFill>
-          </a:ln>
-        </p:spPr>
-        <p:style>
-          <a:lnRef idx="1">
-            <a:schemeClr val="accent1"/>
-          </a:lnRef>
-          <a:fillRef idx="0">
-            <a:schemeClr val="accent1"/>
-          </a:fillRef>
-          <a:effectRef idx="0">
-            <a:schemeClr val="accent1"/>
-          </a:effectRef>
-          <a:fontRef idx="minor">
-            <a:schemeClr val="tx1"/>
-          </a:fontRef>
-        </p:style>
-      </p:cxnSp>
-      <p:sp>
-        <p:nvSpPr>
-          <p:cNvPr id="13" name="TextBox 12"/>
-          <p:cNvSpPr txBox="1"/>
-          <p:nvPr/>
-        </p:nvSpPr>
-        <p:spPr>
-          <a:xfrm>
-            <a:off x="4335312" y="3267541"/>
-            <a:ext cx="570990" cy="400110"/>
-          </a:xfrm>
-          <a:prstGeom prst="rect">
+            <a:off x="7815687" y="3773345"/>
+            <a:ext cx="1377387" cy="625033"/>
+          </a:xfrm>
+          <a:prstGeom prst="leftArrow">
             <a:avLst/>
           </a:prstGeom>
           <a:solidFill>
-            <a:schemeClr val="accent2">
-              <a:lumMod val="40000"/>
-              <a:lumOff val="60000"/>
+            <a:schemeClr val="tx2">
+              <a:lumMod val="90000"/>
             </a:schemeClr>
           </a:solidFill>
           <a:ln>
@@ -6901,41 +7147,55 @@
             </a:solidFill>
           </a:ln>
         </p:spPr>
-        <p:txBody>
-          <a:bodyPr wrap="none" rtlCol="0">
-            <a:spAutoFit/>
-          </a:bodyPr>
-          <a:lstStyle/>
-          <a:p>
-            <a:r>
-              <a:rPr lang="nl-NL" sz="2000" dirty="0">
+        <p:style>
+          <a:lnRef idx="2">
+            <a:schemeClr val="accent1">
+              <a:shade val="50000"/>
+            </a:schemeClr>
+          </a:lnRef>
+          <a:fillRef idx="1">
+            <a:schemeClr val="accent1"/>
+          </a:fillRef>
+          <a:effectRef idx="0">
+            <a:schemeClr val="accent1"/>
+          </a:effectRef>
+          <a:fontRef idx="minor">
+            <a:schemeClr val="lt1"/>
+          </a:fontRef>
+        </p:style>
+        <p:txBody>
+          <a:bodyPr rtlCol="0" anchor="ctr"/>
+          <a:lstStyle/>
+          <a:p>
+            <a:pPr algn="ctr"/>
+            <a:r>
+              <a:rPr lang="nl-NL" dirty="0">
                 <a:solidFill>
                   <a:schemeClr val="bg1"/>
                 </a:solidFill>
               </a:rPr>
-              <a:t>0..*</a:t>
-            </a:r>
-          </a:p>
-        </p:txBody>
-      </p:sp>
-      <p:sp>
-        <p:nvSpPr>
-          <p:cNvPr id="14" name="TextBox 13"/>
-          <p:cNvSpPr txBox="1"/>
+              <a:t>JSON { }</a:t>
+            </a:r>
+          </a:p>
+        </p:txBody>
+      </p:sp>
+      <p:sp>
+        <p:nvSpPr>
+          <p:cNvPr id="40" name="Arrow: Left-Up 39"/>
+          <p:cNvSpPr/>
           <p:nvPr/>
         </p:nvSpPr>
         <p:spPr>
-          <a:xfrm>
-            <a:off x="8280127" y="1523393"/>
-            <a:ext cx="312906" cy="400110"/>
-          </a:xfrm>
-          <a:prstGeom prst="rect">
+          <a:xfrm rot="5400000">
+            <a:off x="4705996" y="4886652"/>
+            <a:ext cx="1255853" cy="985363"/>
+          </a:xfrm>
+          <a:prstGeom prst="leftUpArrow">
             <a:avLst/>
           </a:prstGeom>
           <a:solidFill>
-            <a:schemeClr val="accent2">
-              <a:lumMod val="40000"/>
-              <a:lumOff val="60000"/>
+            <a:schemeClr val="tx2">
+              <a:lumMod val="90000"/>
             </a:schemeClr>
           </a:solidFill>
           <a:ln>
@@ -6944,41 +7204,52 @@
             </a:solidFill>
           </a:ln>
         </p:spPr>
-        <p:txBody>
-          <a:bodyPr wrap="none" rtlCol="0">
-            <a:spAutoFit/>
-          </a:bodyPr>
-          <a:lstStyle/>
-          <a:p>
-            <a:r>
-              <a:rPr lang="nl-NL" sz="2000" dirty="0">
-                <a:solidFill>
-                  <a:schemeClr val="bg1"/>
-                </a:solidFill>
-              </a:rPr>
-              <a:t>1</a:t>
-            </a:r>
-          </a:p>
-        </p:txBody>
-      </p:sp>
-      <p:sp>
-        <p:nvSpPr>
-          <p:cNvPr id="15" name="TextBox 14"/>
-          <p:cNvSpPr txBox="1"/>
+        <p:style>
+          <a:lnRef idx="2">
+            <a:schemeClr val="accent1">
+              <a:shade val="50000"/>
+            </a:schemeClr>
+          </a:lnRef>
+          <a:fillRef idx="1">
+            <a:schemeClr val="accent1"/>
+          </a:fillRef>
+          <a:effectRef idx="0">
+            <a:schemeClr val="accent1"/>
+          </a:effectRef>
+          <a:fontRef idx="minor">
+            <a:schemeClr val="lt1"/>
+          </a:fontRef>
+        </p:style>
+        <p:txBody>
+          <a:bodyPr rtlCol="0" anchor="ctr"/>
+          <a:lstStyle/>
+          <a:p>
+            <a:pPr algn="ctr"/>
+            <a:endParaRPr lang="nl-NL">
+              <a:solidFill>
+                <a:schemeClr val="bg1"/>
+              </a:solidFill>
+            </a:endParaRPr>
+          </a:p>
+        </p:txBody>
+      </p:sp>
+      <p:sp>
+        <p:nvSpPr>
+          <p:cNvPr id="41" name="Arrow: Left-Right 40"/>
+          <p:cNvSpPr/>
           <p:nvPr/>
         </p:nvSpPr>
         <p:spPr>
           <a:xfrm>
-            <a:off x="8187813" y="4264554"/>
-            <a:ext cx="312906" cy="400110"/>
-          </a:xfrm>
-          <a:prstGeom prst="rect">
+            <a:off x="1643605" y="3217762"/>
+            <a:ext cx="763929" cy="405114"/>
+          </a:xfrm>
+          <a:prstGeom prst="leftRightArrow">
             <a:avLst/>
           </a:prstGeom>
           <a:solidFill>
-            <a:schemeClr val="accent2">
-              <a:lumMod val="40000"/>
-              <a:lumOff val="60000"/>
+            <a:schemeClr val="tx2">
+              <a:lumMod val="90000"/>
             </a:schemeClr>
           </a:solidFill>
           <a:ln>
@@ -6987,156 +7258,39 @@
             </a:solidFill>
           </a:ln>
         </p:spPr>
-        <p:txBody>
-          <a:bodyPr wrap="none" rtlCol="0">
-            <a:spAutoFit/>
-          </a:bodyPr>
-          <a:lstStyle/>
-          <a:p>
-            <a:r>
-              <a:rPr lang="nl-NL" sz="2000" dirty="0">
-                <a:solidFill>
-                  <a:schemeClr val="bg1"/>
-                </a:solidFill>
-              </a:rPr>
-              <a:t>1</a:t>
-            </a:r>
-          </a:p>
-        </p:txBody>
-      </p:sp>
-      <p:sp>
-        <p:nvSpPr>
-          <p:cNvPr id="17" name="TextBox 16"/>
-          <p:cNvSpPr txBox="1"/>
-          <p:nvPr/>
-        </p:nvSpPr>
-        <p:spPr>
-          <a:xfrm>
-            <a:off x="2694400" y="3213242"/>
-            <a:ext cx="312906" cy="400110"/>
-          </a:xfrm>
-          <a:prstGeom prst="rect">
-            <a:avLst/>
-          </a:prstGeom>
-          <a:solidFill>
-            <a:schemeClr val="accent2">
-              <a:lumMod val="40000"/>
-              <a:lumOff val="60000"/>
+        <p:style>
+          <a:lnRef idx="2">
+            <a:schemeClr val="accent1">
+              <a:shade val="50000"/>
             </a:schemeClr>
-          </a:solidFill>
-          <a:ln>
-            <a:solidFill>
-              <a:schemeClr val="bg1"/>
-            </a:solidFill>
-          </a:ln>
-        </p:spPr>
-        <p:txBody>
-          <a:bodyPr wrap="none" rtlCol="0">
-            <a:spAutoFit/>
-          </a:bodyPr>
-          <a:lstStyle/>
-          <a:p>
-            <a:r>
-              <a:rPr lang="nl-NL" sz="2000" dirty="0">
-                <a:solidFill>
-                  <a:schemeClr val="bg1"/>
-                </a:solidFill>
-              </a:rPr>
-              <a:t>1</a:t>
-            </a:r>
-          </a:p>
-        </p:txBody>
-      </p:sp>
-      <p:sp>
-        <p:nvSpPr>
-          <p:cNvPr id="18" name="TextBox 17"/>
-          <p:cNvSpPr txBox="1"/>
-          <p:nvPr/>
-        </p:nvSpPr>
-        <p:spPr>
-          <a:xfrm>
-            <a:off x="6714752" y="2680789"/>
-            <a:ext cx="570990" cy="400110"/>
-          </a:xfrm>
-          <a:prstGeom prst="rect">
-            <a:avLst/>
-          </a:prstGeom>
-          <a:solidFill>
-            <a:schemeClr val="accent2">
-              <a:lumMod val="40000"/>
-              <a:lumOff val="60000"/>
-            </a:schemeClr>
-          </a:solidFill>
-          <a:ln>
-            <a:solidFill>
-              <a:schemeClr val="bg1"/>
-            </a:solidFill>
-          </a:ln>
-        </p:spPr>
-        <p:txBody>
-          <a:bodyPr wrap="none" rtlCol="0">
-            <a:spAutoFit/>
-          </a:bodyPr>
-          <a:lstStyle/>
-          <a:p>
-            <a:r>
-              <a:rPr lang="nl-NL" sz="2000" dirty="0">
-                <a:solidFill>
-                  <a:schemeClr val="bg1"/>
-                </a:solidFill>
-              </a:rPr>
-              <a:t>0..*</a:t>
-            </a:r>
-          </a:p>
-        </p:txBody>
-      </p:sp>
-      <p:sp>
-        <p:nvSpPr>
-          <p:cNvPr id="19" name="TextBox 18"/>
-          <p:cNvSpPr txBox="1"/>
-          <p:nvPr/>
-        </p:nvSpPr>
-        <p:spPr>
-          <a:xfrm>
-            <a:off x="6858387" y="4228577"/>
-            <a:ext cx="570990" cy="400110"/>
-          </a:xfrm>
-          <a:prstGeom prst="rect">
-            <a:avLst/>
-          </a:prstGeom>
-          <a:solidFill>
-            <a:schemeClr val="accent2">
-              <a:lumMod val="40000"/>
-              <a:lumOff val="60000"/>
-            </a:schemeClr>
-          </a:solidFill>
-          <a:ln>
-            <a:solidFill>
-              <a:schemeClr val="bg1"/>
-            </a:solidFill>
-          </a:ln>
-        </p:spPr>
-        <p:txBody>
-          <a:bodyPr wrap="none" rtlCol="0">
-            <a:spAutoFit/>
-          </a:bodyPr>
-          <a:lstStyle/>
-          <a:p>
-            <a:r>
-              <a:rPr lang="nl-NL" sz="2000" dirty="0">
-                <a:solidFill>
-                  <a:schemeClr val="bg1"/>
-                </a:solidFill>
-              </a:rPr>
-              <a:t>0..*</a:t>
-            </a:r>
+          </a:lnRef>
+          <a:fillRef idx="1">
+            <a:schemeClr val="accent1"/>
+          </a:fillRef>
+          <a:effectRef idx="0">
+            <a:schemeClr val="accent1"/>
+          </a:effectRef>
+          <a:fontRef idx="minor">
+            <a:schemeClr val="lt1"/>
+          </a:fontRef>
+        </p:style>
+        <p:txBody>
+          <a:bodyPr rtlCol="0" anchor="ctr"/>
+          <a:lstStyle/>
+          <a:p>
+            <a:pPr algn="ctr"/>
+            <a:endParaRPr lang="nl-NL">
+              <a:solidFill>
+                <a:schemeClr val="bg1"/>
+              </a:solidFill>
+            </a:endParaRPr>
           </a:p>
         </p:txBody>
       </p:sp>
     </p:spTree>
     <p:extLst>
       <p:ext uri="{BB962C8B-B14F-4D97-AF65-F5344CB8AC3E}">
-        <p14:creationId xmlns:p14="http://schemas.microsoft.com/office/powerpoint/2010/main" val="2917471186"/>
+        <p14:creationId xmlns:p14="http://schemas.microsoft.com/office/powerpoint/2010/main" val="2231927946"/>
       </p:ext>
     </p:extLst>
   </p:cSld>
@@ -7173,22 +7327,23 @@
             <p:ph type="title"/>
           </p:nvPr>
         </p:nvSpPr>
-        <p:spPr/>
+        <p:spPr>
+          <a:xfrm>
+            <a:off x="269113" y="193680"/>
+            <a:ext cx="5008944" cy="1456267"/>
+          </a:xfrm>
+        </p:spPr>
         <p:txBody>
           <a:bodyPr/>
           <a:lstStyle/>
           <a:p>
             <a:r>
+              <a:rPr lang="nl-NL" dirty="0"/>
+              <a:t>Data </a:t>
+            </a:r>
+            <a:r>
               <a:rPr lang="nl-NL" dirty="0" err="1"/>
-              <a:t>Frontend</a:t>
-            </a:r>
-            <a:r>
-              <a:rPr lang="nl-NL" dirty="0"/>
-              <a:t> &lt;-&gt; Backend </a:t>
-            </a:r>
-            <a:r>
-              <a:rPr lang="nl-NL" dirty="0" err="1"/>
-              <a:t>communication</a:t>
+              <a:t>MOdel</a:t>
             </a:r>
             <a:endParaRPr lang="nl-NL" dirty="0"/>
           </a:p>
@@ -7196,27 +7351,602 @@
       </p:sp>
       <p:sp>
         <p:nvSpPr>
-          <p:cNvPr id="3" name="Content Placeholder 2"/>
-          <p:cNvSpPr>
-            <a:spLocks noGrp="1"/>
-          </p:cNvSpPr>
-          <p:nvPr>
-            <p:ph idx="1"/>
-          </p:nvPr>
-        </p:nvSpPr>
-        <p:spPr/>
-        <p:txBody>
-          <a:bodyPr/>
-          <a:lstStyle/>
-          <a:p>
-            <a:endParaRPr lang="nl-NL" dirty="0"/>
+          <p:cNvPr id="4" name="Rectangle 3"/>
+          <p:cNvSpPr/>
+          <p:nvPr/>
+        </p:nvSpPr>
+        <p:spPr>
+          <a:xfrm>
+            <a:off x="931759" y="2874377"/>
+            <a:ext cx="1817225" cy="1527859"/>
+          </a:xfrm>
+          <a:prstGeom prst="rect">
+            <a:avLst/>
+          </a:prstGeom>
+          <a:solidFill>
+            <a:schemeClr val="tx2">
+              <a:lumMod val="90000"/>
+            </a:schemeClr>
+          </a:solidFill>
+          <a:ln>
+            <a:solidFill>
+              <a:schemeClr val="bg1"/>
+            </a:solidFill>
+          </a:ln>
+        </p:spPr>
+        <p:style>
+          <a:lnRef idx="2">
+            <a:schemeClr val="accent1">
+              <a:shade val="50000"/>
+            </a:schemeClr>
+          </a:lnRef>
+          <a:fillRef idx="1">
+            <a:schemeClr val="accent1"/>
+          </a:fillRef>
+          <a:effectRef idx="0">
+            <a:schemeClr val="accent1"/>
+          </a:effectRef>
+          <a:fontRef idx="minor">
+            <a:schemeClr val="lt1"/>
+          </a:fontRef>
+        </p:style>
+        <p:txBody>
+          <a:bodyPr rtlCol="0" anchor="ctr"/>
+          <a:lstStyle/>
+          <a:p>
+            <a:pPr algn="ctr"/>
+            <a:r>
+              <a:rPr lang="nl-NL" dirty="0">
+                <a:solidFill>
+                  <a:schemeClr val="bg1"/>
+                </a:solidFill>
+              </a:rPr>
+              <a:t>Quiz</a:t>
+            </a:r>
+          </a:p>
+        </p:txBody>
+      </p:sp>
+      <p:sp>
+        <p:nvSpPr>
+          <p:cNvPr id="6" name="Rectangle 5"/>
+          <p:cNvSpPr/>
+          <p:nvPr/>
+        </p:nvSpPr>
+        <p:spPr>
+          <a:xfrm>
+            <a:off x="8593033" y="4305782"/>
+            <a:ext cx="1817225" cy="1527859"/>
+          </a:xfrm>
+          <a:prstGeom prst="rect">
+            <a:avLst/>
+          </a:prstGeom>
+          <a:solidFill>
+            <a:schemeClr val="tx2">
+              <a:lumMod val="90000"/>
+            </a:schemeClr>
+          </a:solidFill>
+          <a:ln>
+            <a:solidFill>
+              <a:schemeClr val="bg1"/>
+            </a:solidFill>
+          </a:ln>
+        </p:spPr>
+        <p:style>
+          <a:lnRef idx="2">
+            <a:schemeClr val="accent1">
+              <a:shade val="50000"/>
+            </a:schemeClr>
+          </a:lnRef>
+          <a:fillRef idx="1">
+            <a:schemeClr val="accent1"/>
+          </a:fillRef>
+          <a:effectRef idx="0">
+            <a:schemeClr val="accent1"/>
+          </a:effectRef>
+          <a:fontRef idx="minor">
+            <a:schemeClr val="lt1"/>
+          </a:fontRef>
+        </p:style>
+        <p:txBody>
+          <a:bodyPr rtlCol="0" anchor="ctr"/>
+          <a:lstStyle/>
+          <a:p>
+            <a:pPr algn="ctr"/>
+            <a:r>
+              <a:rPr lang="nl-NL" dirty="0">
+                <a:solidFill>
+                  <a:schemeClr val="bg1"/>
+                </a:solidFill>
+              </a:rPr>
+              <a:t>Movie</a:t>
+            </a:r>
+          </a:p>
+        </p:txBody>
+      </p:sp>
+      <p:sp>
+        <p:nvSpPr>
+          <p:cNvPr id="7" name="Rectangle 6"/>
+          <p:cNvSpPr/>
+          <p:nvPr/>
+        </p:nvSpPr>
+        <p:spPr>
+          <a:xfrm>
+            <a:off x="8634711" y="1080301"/>
+            <a:ext cx="1817225" cy="1527859"/>
+          </a:xfrm>
+          <a:prstGeom prst="rect">
+            <a:avLst/>
+          </a:prstGeom>
+          <a:solidFill>
+            <a:schemeClr val="tx2">
+              <a:lumMod val="90000"/>
+            </a:schemeClr>
+          </a:solidFill>
+          <a:ln>
+            <a:solidFill>
+              <a:schemeClr val="bg1"/>
+            </a:solidFill>
+          </a:ln>
+        </p:spPr>
+        <p:style>
+          <a:lnRef idx="2">
+            <a:schemeClr val="accent1">
+              <a:shade val="50000"/>
+            </a:schemeClr>
+          </a:lnRef>
+          <a:fillRef idx="1">
+            <a:schemeClr val="accent1"/>
+          </a:fillRef>
+          <a:effectRef idx="0">
+            <a:schemeClr val="accent1"/>
+          </a:effectRef>
+          <a:fontRef idx="minor">
+            <a:schemeClr val="lt1"/>
+          </a:fontRef>
+        </p:style>
+        <p:txBody>
+          <a:bodyPr rtlCol="0" anchor="ctr"/>
+          <a:lstStyle/>
+          <a:p>
+            <a:pPr algn="ctr"/>
+            <a:r>
+              <a:rPr lang="nl-NL" dirty="0">
+                <a:solidFill>
+                  <a:schemeClr val="bg1"/>
+                </a:solidFill>
+              </a:rPr>
+              <a:t>Question Type</a:t>
+            </a:r>
+          </a:p>
+        </p:txBody>
+      </p:sp>
+      <p:sp>
+        <p:nvSpPr>
+          <p:cNvPr id="8" name="Rectangle 7"/>
+          <p:cNvSpPr/>
+          <p:nvPr/>
+        </p:nvSpPr>
+        <p:spPr>
+          <a:xfrm>
+            <a:off x="4845400" y="2874376"/>
+            <a:ext cx="1817225" cy="1527859"/>
+          </a:xfrm>
+          <a:prstGeom prst="rect">
+            <a:avLst/>
+          </a:prstGeom>
+          <a:solidFill>
+            <a:schemeClr val="tx2">
+              <a:lumMod val="90000"/>
+            </a:schemeClr>
+          </a:solidFill>
+          <a:ln>
+            <a:solidFill>
+              <a:schemeClr val="bg1"/>
+            </a:solidFill>
+          </a:ln>
+        </p:spPr>
+        <p:style>
+          <a:lnRef idx="2">
+            <a:schemeClr val="accent1">
+              <a:shade val="50000"/>
+            </a:schemeClr>
+          </a:lnRef>
+          <a:fillRef idx="1">
+            <a:schemeClr val="accent1"/>
+          </a:fillRef>
+          <a:effectRef idx="0">
+            <a:schemeClr val="accent1"/>
+          </a:effectRef>
+          <a:fontRef idx="minor">
+            <a:schemeClr val="lt1"/>
+          </a:fontRef>
+        </p:style>
+        <p:txBody>
+          <a:bodyPr rtlCol="0" anchor="ctr"/>
+          <a:lstStyle/>
+          <a:p>
+            <a:pPr algn="ctr"/>
+            <a:r>
+              <a:rPr lang="nl-NL" dirty="0">
+                <a:solidFill>
+                  <a:schemeClr val="bg1"/>
+                </a:solidFill>
+              </a:rPr>
+              <a:t>Question</a:t>
+            </a:r>
+          </a:p>
+        </p:txBody>
+      </p:sp>
+      <p:cxnSp>
+        <p:nvCxnSpPr>
+          <p:cNvPr id="9" name="Straight Connector 8"/>
+          <p:cNvCxnSpPr>
+            <a:stCxn id="4" idx="3"/>
+            <a:endCxn id="8" idx="1"/>
+          </p:cNvCxnSpPr>
+          <p:nvPr/>
+        </p:nvCxnSpPr>
+        <p:spPr>
+          <a:xfrm flipV="1">
+            <a:off x="2748984" y="3638306"/>
+            <a:ext cx="2096416" cy="1"/>
+          </a:xfrm>
+          <a:prstGeom prst="line">
+            <a:avLst/>
+          </a:prstGeom>
+          <a:ln>
+            <a:solidFill>
+              <a:schemeClr val="bg1"/>
+            </a:solidFill>
+          </a:ln>
+        </p:spPr>
+        <p:style>
+          <a:lnRef idx="1">
+            <a:schemeClr val="accent1"/>
+          </a:lnRef>
+          <a:fillRef idx="0">
+            <a:schemeClr val="accent1"/>
+          </a:fillRef>
+          <a:effectRef idx="0">
+            <a:schemeClr val="accent1"/>
+          </a:effectRef>
+          <a:fontRef idx="minor">
+            <a:schemeClr val="tx1"/>
+          </a:fontRef>
+        </p:style>
+      </p:cxnSp>
+      <p:cxnSp>
+        <p:nvCxnSpPr>
+          <p:cNvPr id="10" name="Straight Connector 9"/>
+          <p:cNvCxnSpPr>
+            <a:stCxn id="8" idx="3"/>
+            <a:endCxn id="7" idx="1"/>
+          </p:cNvCxnSpPr>
+          <p:nvPr/>
+        </p:nvCxnSpPr>
+        <p:spPr>
+          <a:xfrm flipV="1">
+            <a:off x="6662625" y="1844231"/>
+            <a:ext cx="1972086" cy="1794075"/>
+          </a:xfrm>
+          <a:prstGeom prst="line">
+            <a:avLst/>
+          </a:prstGeom>
+          <a:ln>
+            <a:solidFill>
+              <a:schemeClr val="bg1"/>
+            </a:solidFill>
+          </a:ln>
+        </p:spPr>
+        <p:style>
+          <a:lnRef idx="1">
+            <a:schemeClr val="accent1"/>
+          </a:lnRef>
+          <a:fillRef idx="0">
+            <a:schemeClr val="accent1"/>
+          </a:fillRef>
+          <a:effectRef idx="0">
+            <a:schemeClr val="accent1"/>
+          </a:effectRef>
+          <a:fontRef idx="minor">
+            <a:schemeClr val="tx1"/>
+          </a:fontRef>
+        </p:style>
+      </p:cxnSp>
+      <p:cxnSp>
+        <p:nvCxnSpPr>
+          <p:cNvPr id="11" name="Straight Connector 10"/>
+          <p:cNvCxnSpPr>
+            <a:stCxn id="8" idx="3"/>
+            <a:endCxn id="6" idx="1"/>
+          </p:cNvCxnSpPr>
+          <p:nvPr/>
+        </p:nvCxnSpPr>
+        <p:spPr>
+          <a:xfrm>
+            <a:off x="6662625" y="3638306"/>
+            <a:ext cx="1930408" cy="1431406"/>
+          </a:xfrm>
+          <a:prstGeom prst="line">
+            <a:avLst/>
+          </a:prstGeom>
+          <a:ln>
+            <a:solidFill>
+              <a:schemeClr val="bg1"/>
+            </a:solidFill>
+          </a:ln>
+        </p:spPr>
+        <p:style>
+          <a:lnRef idx="1">
+            <a:schemeClr val="accent1"/>
+          </a:lnRef>
+          <a:fillRef idx="0">
+            <a:schemeClr val="accent1"/>
+          </a:fillRef>
+          <a:effectRef idx="0">
+            <a:schemeClr val="accent1"/>
+          </a:effectRef>
+          <a:fontRef idx="minor">
+            <a:schemeClr val="tx1"/>
+          </a:fontRef>
+        </p:style>
+      </p:cxnSp>
+      <p:sp>
+        <p:nvSpPr>
+          <p:cNvPr id="13" name="TextBox 12"/>
+          <p:cNvSpPr txBox="1"/>
+          <p:nvPr/>
+        </p:nvSpPr>
+        <p:spPr>
+          <a:xfrm>
+            <a:off x="4198957" y="3210526"/>
+            <a:ext cx="570990" cy="400110"/>
+          </a:xfrm>
+          <a:prstGeom prst="rect">
+            <a:avLst/>
+          </a:prstGeom>
+          <a:solidFill>
+            <a:schemeClr val="tx2">
+              <a:lumMod val="90000"/>
+            </a:schemeClr>
+          </a:solidFill>
+          <a:ln>
+            <a:solidFill>
+              <a:schemeClr val="bg1"/>
+            </a:solidFill>
+          </a:ln>
+        </p:spPr>
+        <p:txBody>
+          <a:bodyPr wrap="none" rtlCol="0">
+            <a:spAutoFit/>
+          </a:bodyPr>
+          <a:lstStyle/>
+          <a:p>
+            <a:r>
+              <a:rPr lang="nl-NL" sz="2000" dirty="0">
+                <a:solidFill>
+                  <a:schemeClr val="bg1"/>
+                </a:solidFill>
+              </a:rPr>
+              <a:t>0..*</a:t>
+            </a:r>
+          </a:p>
+        </p:txBody>
+      </p:sp>
+      <p:sp>
+        <p:nvSpPr>
+          <p:cNvPr id="14" name="TextBox 13"/>
+          <p:cNvSpPr txBox="1"/>
+          <p:nvPr/>
+        </p:nvSpPr>
+        <p:spPr>
+          <a:xfrm>
+            <a:off x="8280127" y="1365473"/>
+            <a:ext cx="312906" cy="400110"/>
+          </a:xfrm>
+          <a:prstGeom prst="rect">
+            <a:avLst/>
+          </a:prstGeom>
+          <a:solidFill>
+            <a:schemeClr val="tx2">
+              <a:lumMod val="90000"/>
+            </a:schemeClr>
+          </a:solidFill>
+          <a:ln>
+            <a:solidFill>
+              <a:schemeClr val="bg1"/>
+            </a:solidFill>
+          </a:ln>
+        </p:spPr>
+        <p:txBody>
+          <a:bodyPr wrap="none" rtlCol="0">
+            <a:spAutoFit/>
+          </a:bodyPr>
+          <a:lstStyle/>
+          <a:p>
+            <a:r>
+              <a:rPr lang="nl-NL" sz="2000" dirty="0">
+                <a:solidFill>
+                  <a:schemeClr val="bg1"/>
+                </a:solidFill>
+              </a:rPr>
+              <a:t>1</a:t>
+            </a:r>
+          </a:p>
+        </p:txBody>
+      </p:sp>
+      <p:sp>
+        <p:nvSpPr>
+          <p:cNvPr id="15" name="TextBox 14"/>
+          <p:cNvSpPr txBox="1"/>
+          <p:nvPr/>
+        </p:nvSpPr>
+        <p:spPr>
+          <a:xfrm>
+            <a:off x="8187813" y="4264554"/>
+            <a:ext cx="312906" cy="400110"/>
+          </a:xfrm>
+          <a:prstGeom prst="rect">
+            <a:avLst/>
+          </a:prstGeom>
+          <a:solidFill>
+            <a:schemeClr val="tx2">
+              <a:lumMod val="90000"/>
+            </a:schemeClr>
+          </a:solidFill>
+          <a:ln>
+            <a:solidFill>
+              <a:schemeClr val="bg1"/>
+            </a:solidFill>
+          </a:ln>
+        </p:spPr>
+        <p:txBody>
+          <a:bodyPr wrap="none" rtlCol="0">
+            <a:spAutoFit/>
+          </a:bodyPr>
+          <a:lstStyle/>
+          <a:p>
+            <a:r>
+              <a:rPr lang="nl-NL" sz="2000" dirty="0">
+                <a:solidFill>
+                  <a:schemeClr val="bg1"/>
+                </a:solidFill>
+              </a:rPr>
+              <a:t>1</a:t>
+            </a:r>
+          </a:p>
+        </p:txBody>
+      </p:sp>
+      <p:sp>
+        <p:nvSpPr>
+          <p:cNvPr id="17" name="TextBox 16"/>
+          <p:cNvSpPr txBox="1"/>
+          <p:nvPr/>
+        </p:nvSpPr>
+        <p:spPr>
+          <a:xfrm>
+            <a:off x="2776377" y="3210526"/>
+            <a:ext cx="312906" cy="400110"/>
+          </a:xfrm>
+          <a:prstGeom prst="rect">
+            <a:avLst/>
+          </a:prstGeom>
+          <a:solidFill>
+            <a:schemeClr val="tx2">
+              <a:lumMod val="90000"/>
+            </a:schemeClr>
+          </a:solidFill>
+          <a:ln>
+            <a:solidFill>
+              <a:schemeClr val="bg1"/>
+            </a:solidFill>
+          </a:ln>
+        </p:spPr>
+        <p:txBody>
+          <a:bodyPr wrap="none" rtlCol="0">
+            <a:spAutoFit/>
+          </a:bodyPr>
+          <a:lstStyle/>
+          <a:p>
+            <a:r>
+              <a:rPr lang="nl-NL" sz="2000" dirty="0">
+                <a:solidFill>
+                  <a:schemeClr val="bg1"/>
+                </a:solidFill>
+              </a:rPr>
+              <a:t>1</a:t>
+            </a:r>
+          </a:p>
+        </p:txBody>
+      </p:sp>
+      <p:sp>
+        <p:nvSpPr>
+          <p:cNvPr id="18" name="TextBox 17"/>
+          <p:cNvSpPr txBox="1"/>
+          <p:nvPr/>
+        </p:nvSpPr>
+        <p:spPr>
+          <a:xfrm>
+            <a:off x="6714752" y="2680789"/>
+            <a:ext cx="570990" cy="400110"/>
+          </a:xfrm>
+          <a:prstGeom prst="rect">
+            <a:avLst/>
+          </a:prstGeom>
+          <a:solidFill>
+            <a:schemeClr val="tx2">
+              <a:lumMod val="90000"/>
+            </a:schemeClr>
+          </a:solidFill>
+          <a:ln>
+            <a:solidFill>
+              <a:schemeClr val="bg1"/>
+            </a:solidFill>
+          </a:ln>
+        </p:spPr>
+        <p:txBody>
+          <a:bodyPr wrap="none" rtlCol="0">
+            <a:spAutoFit/>
+          </a:bodyPr>
+          <a:lstStyle/>
+          <a:p>
+            <a:r>
+              <a:rPr lang="nl-NL" sz="2000" dirty="0">
+                <a:solidFill>
+                  <a:schemeClr val="bg1"/>
+                </a:solidFill>
+              </a:rPr>
+              <a:t>0..*</a:t>
+            </a:r>
+          </a:p>
+        </p:txBody>
+      </p:sp>
+      <p:sp>
+        <p:nvSpPr>
+          <p:cNvPr id="19" name="TextBox 18"/>
+          <p:cNvSpPr txBox="1"/>
+          <p:nvPr/>
+        </p:nvSpPr>
+        <p:spPr>
+          <a:xfrm>
+            <a:off x="6858387" y="4228577"/>
+            <a:ext cx="570990" cy="400110"/>
+          </a:xfrm>
+          <a:prstGeom prst="rect">
+            <a:avLst/>
+          </a:prstGeom>
+          <a:solidFill>
+            <a:schemeClr val="tx2">
+              <a:lumMod val="90000"/>
+            </a:schemeClr>
+          </a:solidFill>
+          <a:ln>
+            <a:solidFill>
+              <a:schemeClr val="bg1"/>
+            </a:solidFill>
+          </a:ln>
+        </p:spPr>
+        <p:txBody>
+          <a:bodyPr wrap="none" rtlCol="0">
+            <a:spAutoFit/>
+          </a:bodyPr>
+          <a:lstStyle/>
+          <a:p>
+            <a:r>
+              <a:rPr lang="nl-NL" sz="2000" dirty="0">
+                <a:solidFill>
+                  <a:schemeClr val="bg1"/>
+                </a:solidFill>
+              </a:rPr>
+              <a:t>0..*</a:t>
+            </a:r>
           </a:p>
         </p:txBody>
       </p:sp>
     </p:spTree>
     <p:extLst>
       <p:ext uri="{BB962C8B-B14F-4D97-AF65-F5344CB8AC3E}">
-        <p14:creationId xmlns:p14="http://schemas.microsoft.com/office/powerpoint/2010/main" val="2231927946"/>
+        <p14:creationId xmlns:p14="http://schemas.microsoft.com/office/powerpoint/2010/main" val="2917471186"/>
       </p:ext>
     </p:extLst>
   </p:cSld>
@@ -7336,20 +8066,595 @@
           </a:p>
         </p:txBody>
       </p:sp>
-      <p:sp>
-        <p:nvSpPr>
-          <p:cNvPr id="3" name="Content Placeholder 2"/>
-          <p:cNvSpPr>
-            <a:spLocks noGrp="1"/>
-          </p:cNvSpPr>
+      <p:pic>
+        <p:nvPicPr>
+          <p:cNvPr id="4" name="Content Placeholder 3"/>
+          <p:cNvPicPr>
+            <a:picLocks noGrp="1" noChangeAspect="1"/>
+          </p:cNvPicPr>
           <p:nvPr>
             <p:ph idx="1"/>
           </p:nvPr>
-        </p:nvSpPr>
-        <p:spPr/>
-        <p:txBody>
-          <a:bodyPr/>
-          <a:lstStyle/>
+        </p:nvPicPr>
+        <p:blipFill>
+          <a:blip r:embed="rId2">
+            <a:extLst>
+              <a:ext uri="{28A0092B-C50C-407E-A947-70E740481C1C}">
+                <a14:useLocalDpi xmlns:a14="http://schemas.microsoft.com/office/drawing/2010/main" val="0"/>
+              </a:ext>
+            </a:extLst>
+          </a:blip>
+          <a:stretch>
+            <a:fillRect/>
+          </a:stretch>
+        </p:blipFill>
+        <p:spPr>
+          <a:xfrm>
+            <a:off x="8095848" y="425381"/>
+            <a:ext cx="2984441" cy="3128572"/>
+          </a:xfrm>
+        </p:spPr>
+      </p:pic>
+      <p:pic>
+        <p:nvPicPr>
+          <p:cNvPr id="5" name="Picture 4"/>
+          <p:cNvPicPr>
+            <a:picLocks noChangeAspect="1"/>
+          </p:cNvPicPr>
+          <p:nvPr/>
+        </p:nvPicPr>
+        <p:blipFill>
+          <a:blip r:embed="rId3">
+            <a:extLst>
+              <a:ext uri="{28A0092B-C50C-407E-A947-70E740481C1C}">
+                <a14:useLocalDpi xmlns:a14="http://schemas.microsoft.com/office/drawing/2010/main" val="0"/>
+              </a:ext>
+            </a:extLst>
+          </a:blip>
+          <a:stretch>
+            <a:fillRect/>
+          </a:stretch>
+        </p:blipFill>
+        <p:spPr>
+          <a:xfrm>
+            <a:off x="8119723" y="3852472"/>
+            <a:ext cx="2960566" cy="2640230"/>
+          </a:xfrm>
+          <a:prstGeom prst="rect">
+            <a:avLst/>
+          </a:prstGeom>
+        </p:spPr>
+      </p:pic>
+      <p:sp>
+        <p:nvSpPr>
+          <p:cNvPr id="6" name="Content Placeholder 2"/>
+          <p:cNvSpPr txBox="1">
+            <a:spLocks/>
+          </p:cNvSpPr>
+          <p:nvPr/>
+        </p:nvSpPr>
+        <p:spPr>
+          <a:xfrm>
+            <a:off x="685801" y="2142067"/>
+            <a:ext cx="10131425" cy="4177710"/>
+          </a:xfrm>
+          <a:prstGeom prst="rect">
+            <a:avLst/>
+          </a:prstGeom>
+        </p:spPr>
+        <p:txBody>
+          <a:bodyPr vert="horz" lIns="91440" tIns="45720" rIns="91440" bIns="45720" rtlCol="0" anchor="ctr">
+            <a:normAutofit/>
+          </a:bodyPr>
+          <a:lstStyle>
+            <a:lvl1pPr marL="285750" indent="-285750" algn="l" defTabSz="457200" rtl="0" eaLnBrk="1" latinLnBrk="0" hangingPunct="1">
+              <a:spcBef>
+                <a:spcPts val="0"/>
+              </a:spcBef>
+              <a:spcAft>
+                <a:spcPts val="1000"/>
+              </a:spcAft>
+              <a:buClr>
+                <a:schemeClr val="tx1"/>
+              </a:buClr>
+              <a:buSzPct val="100000"/>
+              <a:buFont typeface="Arial"/>
+              <a:buChar char="•"/>
+              <a:defRPr sz="1800" kern="1200" cap="none">
+                <a:solidFill>
+                  <a:schemeClr val="tx1"/>
+                </a:solidFill>
+                <a:effectLst/>
+                <a:latin typeface="+mn-lt"/>
+                <a:ea typeface="+mn-ea"/>
+                <a:cs typeface="+mn-cs"/>
+              </a:defRPr>
+            </a:lvl1pPr>
+            <a:lvl2pPr marL="742950" indent="-285750" algn="l" defTabSz="457200" rtl="0" eaLnBrk="1" latinLnBrk="0" hangingPunct="1">
+              <a:spcBef>
+                <a:spcPts val="0"/>
+              </a:spcBef>
+              <a:spcAft>
+                <a:spcPts val="1000"/>
+              </a:spcAft>
+              <a:buClr>
+                <a:schemeClr val="tx1"/>
+              </a:buClr>
+              <a:buSzPct val="100000"/>
+              <a:buFont typeface="Arial"/>
+              <a:buChar char="•"/>
+              <a:defRPr sz="1600" kern="1200" cap="none">
+                <a:solidFill>
+                  <a:schemeClr val="tx1"/>
+                </a:solidFill>
+                <a:effectLst/>
+                <a:latin typeface="+mn-lt"/>
+                <a:ea typeface="+mn-ea"/>
+                <a:cs typeface="+mn-cs"/>
+              </a:defRPr>
+            </a:lvl2pPr>
+            <a:lvl3pPr marL="1200150" indent="-285750" algn="l" defTabSz="457200" rtl="0" eaLnBrk="1" latinLnBrk="0" hangingPunct="1">
+              <a:spcBef>
+                <a:spcPts val="0"/>
+              </a:spcBef>
+              <a:spcAft>
+                <a:spcPts val="1000"/>
+              </a:spcAft>
+              <a:buClr>
+                <a:schemeClr val="tx1"/>
+              </a:buClr>
+              <a:buSzPct val="100000"/>
+              <a:buFont typeface="Arial"/>
+              <a:buChar char="•"/>
+              <a:defRPr sz="1400" kern="1200" cap="none">
+                <a:solidFill>
+                  <a:schemeClr val="tx1"/>
+                </a:solidFill>
+                <a:effectLst/>
+                <a:latin typeface="+mn-lt"/>
+                <a:ea typeface="+mn-ea"/>
+                <a:cs typeface="+mn-cs"/>
+              </a:defRPr>
+            </a:lvl3pPr>
+            <a:lvl4pPr marL="1543050" indent="-171450" algn="l" defTabSz="457200" rtl="0" eaLnBrk="1" latinLnBrk="0" hangingPunct="1">
+              <a:spcBef>
+                <a:spcPts val="0"/>
+              </a:spcBef>
+              <a:spcAft>
+                <a:spcPts val="1000"/>
+              </a:spcAft>
+              <a:buClr>
+                <a:schemeClr val="tx1"/>
+              </a:buClr>
+              <a:buSzPct val="100000"/>
+              <a:buFont typeface="Arial"/>
+              <a:buChar char="•"/>
+              <a:defRPr sz="1200" kern="1200" cap="none">
+                <a:solidFill>
+                  <a:schemeClr val="tx1"/>
+                </a:solidFill>
+                <a:effectLst/>
+                <a:latin typeface="+mn-lt"/>
+                <a:ea typeface="+mn-ea"/>
+                <a:cs typeface="+mn-cs"/>
+              </a:defRPr>
+            </a:lvl4pPr>
+            <a:lvl5pPr marL="2000250" indent="-171450" algn="l" defTabSz="457200" rtl="0" eaLnBrk="1" latinLnBrk="0" hangingPunct="1">
+              <a:spcBef>
+                <a:spcPts val="0"/>
+              </a:spcBef>
+              <a:spcAft>
+                <a:spcPts val="1000"/>
+              </a:spcAft>
+              <a:buClr>
+                <a:schemeClr val="tx1"/>
+              </a:buClr>
+              <a:buSzPct val="100000"/>
+              <a:buFont typeface="Arial"/>
+              <a:buChar char="•"/>
+              <a:defRPr sz="1200" kern="1200" cap="none">
+                <a:solidFill>
+                  <a:schemeClr val="tx1"/>
+                </a:solidFill>
+                <a:effectLst/>
+                <a:latin typeface="+mn-lt"/>
+                <a:ea typeface="+mn-ea"/>
+                <a:cs typeface="+mn-cs"/>
+              </a:defRPr>
+            </a:lvl5pPr>
+            <a:lvl6pPr marL="2514600" indent="-228600" algn="l" defTabSz="457200" rtl="0" eaLnBrk="1" latinLnBrk="0" hangingPunct="1">
+              <a:spcBef>
+                <a:spcPts val="0"/>
+              </a:spcBef>
+              <a:spcAft>
+                <a:spcPts val="1000"/>
+              </a:spcAft>
+              <a:buClr>
+                <a:schemeClr val="tx1"/>
+              </a:buClr>
+              <a:buSzPct val="100000"/>
+              <a:buFont typeface="Arial"/>
+              <a:buChar char="•"/>
+              <a:defRPr sz="1200" kern="1200" cap="none">
+                <a:solidFill>
+                  <a:schemeClr val="tx1"/>
+                </a:solidFill>
+                <a:effectLst/>
+                <a:latin typeface="+mn-lt"/>
+                <a:ea typeface="+mn-ea"/>
+                <a:cs typeface="+mn-cs"/>
+              </a:defRPr>
+            </a:lvl6pPr>
+            <a:lvl7pPr marL="2971800" indent="-228600" algn="l" defTabSz="457200" rtl="0" eaLnBrk="1" latinLnBrk="0" hangingPunct="1">
+              <a:spcBef>
+                <a:spcPts val="0"/>
+              </a:spcBef>
+              <a:spcAft>
+                <a:spcPts val="1000"/>
+              </a:spcAft>
+              <a:buClr>
+                <a:schemeClr val="tx1"/>
+              </a:buClr>
+              <a:buSzPct val="100000"/>
+              <a:buFont typeface="Arial"/>
+              <a:buChar char="•"/>
+              <a:defRPr sz="1200" kern="1200" cap="none">
+                <a:solidFill>
+                  <a:schemeClr val="tx1"/>
+                </a:solidFill>
+                <a:effectLst/>
+                <a:latin typeface="+mn-lt"/>
+                <a:ea typeface="+mn-ea"/>
+                <a:cs typeface="+mn-cs"/>
+              </a:defRPr>
+            </a:lvl7pPr>
+            <a:lvl8pPr marL="3429000" indent="-228600" algn="l" defTabSz="457200" rtl="0" eaLnBrk="1" latinLnBrk="0" hangingPunct="1">
+              <a:spcBef>
+                <a:spcPts val="0"/>
+              </a:spcBef>
+              <a:spcAft>
+                <a:spcPts val="1000"/>
+              </a:spcAft>
+              <a:buClr>
+                <a:schemeClr val="tx1"/>
+              </a:buClr>
+              <a:buSzPct val="100000"/>
+              <a:buFont typeface="Arial"/>
+              <a:buChar char="•"/>
+              <a:defRPr sz="1200" kern="1200" cap="none">
+                <a:solidFill>
+                  <a:schemeClr val="tx1"/>
+                </a:solidFill>
+                <a:effectLst/>
+                <a:latin typeface="+mn-lt"/>
+                <a:ea typeface="+mn-ea"/>
+                <a:cs typeface="+mn-cs"/>
+              </a:defRPr>
+            </a:lvl8pPr>
+            <a:lvl9pPr marL="3886200" indent="-228600" algn="l" defTabSz="457200" rtl="0" eaLnBrk="1" latinLnBrk="0" hangingPunct="1">
+              <a:spcBef>
+                <a:spcPts val="0"/>
+              </a:spcBef>
+              <a:spcAft>
+                <a:spcPts val="1000"/>
+              </a:spcAft>
+              <a:buClr>
+                <a:schemeClr val="tx1"/>
+              </a:buClr>
+              <a:buSzPct val="100000"/>
+              <a:buFont typeface="Arial"/>
+              <a:buChar char="•"/>
+              <a:defRPr sz="1200" kern="1200" cap="none">
+                <a:solidFill>
+                  <a:schemeClr val="tx1"/>
+                </a:solidFill>
+                <a:effectLst/>
+                <a:latin typeface="+mn-lt"/>
+                <a:ea typeface="+mn-ea"/>
+                <a:cs typeface="+mn-cs"/>
+              </a:defRPr>
+            </a:lvl9pPr>
+          </a:lstStyle>
+          <a:p>
+            <a:endParaRPr lang="nl-NL" dirty="0"/>
+          </a:p>
+        </p:txBody>
+      </p:sp>
+      <p:sp>
+        <p:nvSpPr>
+          <p:cNvPr id="7" name="Content Placeholder 2"/>
+          <p:cNvSpPr txBox="1">
+            <a:spLocks/>
+          </p:cNvSpPr>
+          <p:nvPr/>
+        </p:nvSpPr>
+        <p:spPr>
+          <a:xfrm>
+            <a:off x="685800" y="1763617"/>
+            <a:ext cx="10131425" cy="4177710"/>
+          </a:xfrm>
+          <a:prstGeom prst="rect">
+            <a:avLst/>
+          </a:prstGeom>
+        </p:spPr>
+        <p:txBody>
+          <a:bodyPr vert="horz" lIns="91440" tIns="45720" rIns="91440" bIns="45720" rtlCol="0" anchor="ctr">
+            <a:normAutofit/>
+          </a:bodyPr>
+          <a:lstStyle>
+            <a:lvl1pPr marL="285750" indent="-285750" algn="l" defTabSz="457200" rtl="0" eaLnBrk="1" latinLnBrk="0" hangingPunct="1">
+              <a:spcBef>
+                <a:spcPts val="0"/>
+              </a:spcBef>
+              <a:spcAft>
+                <a:spcPts val="1000"/>
+              </a:spcAft>
+              <a:buClr>
+                <a:schemeClr val="tx1"/>
+              </a:buClr>
+              <a:buSzPct val="100000"/>
+              <a:buFont typeface="Arial"/>
+              <a:buChar char="•"/>
+              <a:defRPr sz="1800" kern="1200" cap="none">
+                <a:solidFill>
+                  <a:schemeClr val="tx1"/>
+                </a:solidFill>
+                <a:effectLst/>
+                <a:latin typeface="+mn-lt"/>
+                <a:ea typeface="+mn-ea"/>
+                <a:cs typeface="+mn-cs"/>
+              </a:defRPr>
+            </a:lvl1pPr>
+            <a:lvl2pPr marL="742950" indent="-285750" algn="l" defTabSz="457200" rtl="0" eaLnBrk="1" latinLnBrk="0" hangingPunct="1">
+              <a:spcBef>
+                <a:spcPts val="0"/>
+              </a:spcBef>
+              <a:spcAft>
+                <a:spcPts val="1000"/>
+              </a:spcAft>
+              <a:buClr>
+                <a:schemeClr val="tx1"/>
+              </a:buClr>
+              <a:buSzPct val="100000"/>
+              <a:buFont typeface="Arial"/>
+              <a:buChar char="•"/>
+              <a:defRPr sz="1600" kern="1200" cap="none">
+                <a:solidFill>
+                  <a:schemeClr val="tx1"/>
+                </a:solidFill>
+                <a:effectLst/>
+                <a:latin typeface="+mn-lt"/>
+                <a:ea typeface="+mn-ea"/>
+                <a:cs typeface="+mn-cs"/>
+              </a:defRPr>
+            </a:lvl2pPr>
+            <a:lvl3pPr marL="1200150" indent="-285750" algn="l" defTabSz="457200" rtl="0" eaLnBrk="1" latinLnBrk="0" hangingPunct="1">
+              <a:spcBef>
+                <a:spcPts val="0"/>
+              </a:spcBef>
+              <a:spcAft>
+                <a:spcPts val="1000"/>
+              </a:spcAft>
+              <a:buClr>
+                <a:schemeClr val="tx1"/>
+              </a:buClr>
+              <a:buSzPct val="100000"/>
+              <a:buFont typeface="Arial"/>
+              <a:buChar char="•"/>
+              <a:defRPr sz="1400" kern="1200" cap="none">
+                <a:solidFill>
+                  <a:schemeClr val="tx1"/>
+                </a:solidFill>
+                <a:effectLst/>
+                <a:latin typeface="+mn-lt"/>
+                <a:ea typeface="+mn-ea"/>
+                <a:cs typeface="+mn-cs"/>
+              </a:defRPr>
+            </a:lvl3pPr>
+            <a:lvl4pPr marL="1543050" indent="-171450" algn="l" defTabSz="457200" rtl="0" eaLnBrk="1" latinLnBrk="0" hangingPunct="1">
+              <a:spcBef>
+                <a:spcPts val="0"/>
+              </a:spcBef>
+              <a:spcAft>
+                <a:spcPts val="1000"/>
+              </a:spcAft>
+              <a:buClr>
+                <a:schemeClr val="tx1"/>
+              </a:buClr>
+              <a:buSzPct val="100000"/>
+              <a:buFont typeface="Arial"/>
+              <a:buChar char="•"/>
+              <a:defRPr sz="1200" kern="1200" cap="none">
+                <a:solidFill>
+                  <a:schemeClr val="tx1"/>
+                </a:solidFill>
+                <a:effectLst/>
+                <a:latin typeface="+mn-lt"/>
+                <a:ea typeface="+mn-ea"/>
+                <a:cs typeface="+mn-cs"/>
+              </a:defRPr>
+            </a:lvl4pPr>
+            <a:lvl5pPr marL="2000250" indent="-171450" algn="l" defTabSz="457200" rtl="0" eaLnBrk="1" latinLnBrk="0" hangingPunct="1">
+              <a:spcBef>
+                <a:spcPts val="0"/>
+              </a:spcBef>
+              <a:spcAft>
+                <a:spcPts val="1000"/>
+              </a:spcAft>
+              <a:buClr>
+                <a:schemeClr val="tx1"/>
+              </a:buClr>
+              <a:buSzPct val="100000"/>
+              <a:buFont typeface="Arial"/>
+              <a:buChar char="•"/>
+              <a:defRPr sz="1200" kern="1200" cap="none">
+                <a:solidFill>
+                  <a:schemeClr val="tx1"/>
+                </a:solidFill>
+                <a:effectLst/>
+                <a:latin typeface="+mn-lt"/>
+                <a:ea typeface="+mn-ea"/>
+                <a:cs typeface="+mn-cs"/>
+              </a:defRPr>
+            </a:lvl5pPr>
+            <a:lvl6pPr marL="2514600" indent="-228600" algn="l" defTabSz="457200" rtl="0" eaLnBrk="1" latinLnBrk="0" hangingPunct="1">
+              <a:spcBef>
+                <a:spcPts val="0"/>
+              </a:spcBef>
+              <a:spcAft>
+                <a:spcPts val="1000"/>
+              </a:spcAft>
+              <a:buClr>
+                <a:schemeClr val="tx1"/>
+              </a:buClr>
+              <a:buSzPct val="100000"/>
+              <a:buFont typeface="Arial"/>
+              <a:buChar char="•"/>
+              <a:defRPr sz="1200" kern="1200" cap="none">
+                <a:solidFill>
+                  <a:schemeClr val="tx1"/>
+                </a:solidFill>
+                <a:effectLst/>
+                <a:latin typeface="+mn-lt"/>
+                <a:ea typeface="+mn-ea"/>
+                <a:cs typeface="+mn-cs"/>
+              </a:defRPr>
+            </a:lvl6pPr>
+            <a:lvl7pPr marL="2971800" indent="-228600" algn="l" defTabSz="457200" rtl="0" eaLnBrk="1" latinLnBrk="0" hangingPunct="1">
+              <a:spcBef>
+                <a:spcPts val="0"/>
+              </a:spcBef>
+              <a:spcAft>
+                <a:spcPts val="1000"/>
+              </a:spcAft>
+              <a:buClr>
+                <a:schemeClr val="tx1"/>
+              </a:buClr>
+              <a:buSzPct val="100000"/>
+              <a:buFont typeface="Arial"/>
+              <a:buChar char="•"/>
+              <a:defRPr sz="1200" kern="1200" cap="none">
+                <a:solidFill>
+                  <a:schemeClr val="tx1"/>
+                </a:solidFill>
+                <a:effectLst/>
+                <a:latin typeface="+mn-lt"/>
+                <a:ea typeface="+mn-ea"/>
+                <a:cs typeface="+mn-cs"/>
+              </a:defRPr>
+            </a:lvl7pPr>
+            <a:lvl8pPr marL="3429000" indent="-228600" algn="l" defTabSz="457200" rtl="0" eaLnBrk="1" latinLnBrk="0" hangingPunct="1">
+              <a:spcBef>
+                <a:spcPts val="0"/>
+              </a:spcBef>
+              <a:spcAft>
+                <a:spcPts val="1000"/>
+              </a:spcAft>
+              <a:buClr>
+                <a:schemeClr val="tx1"/>
+              </a:buClr>
+              <a:buSzPct val="100000"/>
+              <a:buFont typeface="Arial"/>
+              <a:buChar char="•"/>
+              <a:defRPr sz="1200" kern="1200" cap="none">
+                <a:solidFill>
+                  <a:schemeClr val="tx1"/>
+                </a:solidFill>
+                <a:effectLst/>
+                <a:latin typeface="+mn-lt"/>
+                <a:ea typeface="+mn-ea"/>
+                <a:cs typeface="+mn-cs"/>
+              </a:defRPr>
+            </a:lvl8pPr>
+            <a:lvl9pPr marL="3886200" indent="-228600" algn="l" defTabSz="457200" rtl="0" eaLnBrk="1" latinLnBrk="0" hangingPunct="1">
+              <a:spcBef>
+                <a:spcPts val="0"/>
+              </a:spcBef>
+              <a:spcAft>
+                <a:spcPts val="1000"/>
+              </a:spcAft>
+              <a:buClr>
+                <a:schemeClr val="tx1"/>
+              </a:buClr>
+              <a:buSzPct val="100000"/>
+              <a:buFont typeface="Arial"/>
+              <a:buChar char="•"/>
+              <a:defRPr sz="1200" kern="1200" cap="none">
+                <a:solidFill>
+                  <a:schemeClr val="tx1"/>
+                </a:solidFill>
+                <a:effectLst/>
+                <a:latin typeface="+mn-lt"/>
+                <a:ea typeface="+mn-ea"/>
+                <a:cs typeface="+mn-cs"/>
+              </a:defRPr>
+            </a:lvl9pPr>
+          </a:lstStyle>
+          <a:p>
+            <a:r>
+              <a:rPr lang="nl-NL" dirty="0" err="1"/>
+              <a:t>Improvements</a:t>
+            </a:r>
+            <a:r>
+              <a:rPr lang="nl-NL" dirty="0"/>
+              <a:t> </a:t>
+            </a:r>
+            <a:r>
+              <a:rPr lang="nl-NL" dirty="0" err="1"/>
+              <a:t>during</a:t>
+            </a:r>
+            <a:r>
+              <a:rPr lang="nl-NL" dirty="0"/>
+              <a:t> second sprint</a:t>
+            </a:r>
+          </a:p>
+          <a:p>
+            <a:pPr lvl="1"/>
+            <a:r>
+              <a:rPr lang="nl-NL" dirty="0"/>
+              <a:t>More </a:t>
+            </a:r>
+            <a:r>
+              <a:rPr lang="nl-NL" dirty="0" err="1"/>
+              <a:t>manageable</a:t>
+            </a:r>
+            <a:r>
+              <a:rPr lang="nl-NL" dirty="0"/>
+              <a:t> user </a:t>
+            </a:r>
+            <a:r>
+              <a:rPr lang="nl-NL" dirty="0" err="1"/>
+              <a:t>stories</a:t>
+            </a:r>
+            <a:endParaRPr lang="nl-NL" dirty="0"/>
+          </a:p>
+          <a:p>
+            <a:pPr lvl="1"/>
+            <a:r>
+              <a:rPr lang="nl-NL" dirty="0" err="1"/>
+              <a:t>Defining</a:t>
+            </a:r>
+            <a:r>
+              <a:rPr lang="nl-NL" dirty="0"/>
+              <a:t> </a:t>
+            </a:r>
+            <a:r>
+              <a:rPr lang="nl-NL" dirty="0" err="1"/>
+              <a:t>tasks</a:t>
+            </a:r>
+            <a:r>
+              <a:rPr lang="nl-NL" dirty="0"/>
+              <a:t> </a:t>
+            </a:r>
+            <a:r>
+              <a:rPr lang="nl-NL" dirty="0" err="1"/>
+              <a:t>during</a:t>
+            </a:r>
+            <a:r>
+              <a:rPr lang="nl-NL" dirty="0"/>
+              <a:t> sprint planning</a:t>
+            </a:r>
+          </a:p>
           <a:p>
             <a:endParaRPr lang="nl-NL" dirty="0"/>
           </a:p>
@@ -7430,6 +8735,51 @@
         <p:txBody>
           <a:bodyPr/>
           <a:lstStyle/>
+          <a:p>
+            <a:r>
+              <a:rPr lang="nl-NL" dirty="0"/>
+              <a:t>SCRUM </a:t>
+            </a:r>
+            <a:r>
+              <a:rPr lang="nl-NL" dirty="0" err="1"/>
+              <a:t>process</a:t>
+            </a:r>
+            <a:endParaRPr lang="nl-NL" dirty="0"/>
+          </a:p>
+          <a:p>
+            <a:r>
+              <a:rPr lang="nl-NL" dirty="0"/>
+              <a:t>Architecture of web </a:t>
+            </a:r>
+            <a:r>
+              <a:rPr lang="nl-NL" dirty="0" err="1"/>
+              <a:t>application</a:t>
+            </a:r>
+            <a:r>
+              <a:rPr lang="nl-NL" dirty="0"/>
+              <a:t> (services, controllers, database)</a:t>
+            </a:r>
+          </a:p>
+          <a:p>
+            <a:r>
+              <a:rPr lang="nl-NL" dirty="0" err="1"/>
+              <a:t>RESTful</a:t>
+            </a:r>
+            <a:r>
+              <a:rPr lang="nl-NL" dirty="0"/>
+              <a:t> design</a:t>
+            </a:r>
+          </a:p>
+          <a:p>
+            <a:r>
+              <a:rPr lang="nl-NL" dirty="0" err="1"/>
+              <a:t>Usage</a:t>
+            </a:r>
+            <a:r>
+              <a:rPr lang="nl-NL" dirty="0"/>
+              <a:t> of Git</a:t>
+            </a:r>
+          </a:p>
           <a:p>
             <a:endParaRPr lang="nl-NL" dirty="0"/>
           </a:p>
